--- a/TableDivisé.pptx
+++ b/TableDivisé.pptx
@@ -104,6 +104,11 @@
       </a:defRPr>
     </a:lvl9pPr>
   </p:defaultTextStyle>
+  <p:extLst>
+    <p:ext uri="{EFAFB233-063F-42B5-8137-9DF3F51BA10A}">
+      <p15:sldGuideLst xmlns:p15="http://schemas.microsoft.com/office/powerpoint/2012/main"/>
+    </p:ext>
+  </p:extLst>
 </p:presentation>
 </file>
 
@@ -254,7 +259,7 @@
           <a:p>
             <a:fld id="{92F948F0-8D54-48A7-9210-32EC7E10790F}" type="datetimeFigureOut">
               <a:rPr lang="fr-FR" smtClean="0"/>
-              <a:t>21/05/2024</a:t>
+              <a:t>22/05/2024</a:t>
             </a:fld>
             <a:endParaRPr lang="fr-FR"/>
           </a:p>
@@ -452,7 +457,7 @@
           <a:p>
             <a:fld id="{92F948F0-8D54-48A7-9210-32EC7E10790F}" type="datetimeFigureOut">
               <a:rPr lang="fr-FR" smtClean="0"/>
-              <a:t>21/05/2024</a:t>
+              <a:t>22/05/2024</a:t>
             </a:fld>
             <a:endParaRPr lang="fr-FR"/>
           </a:p>
@@ -660,7 +665,7 @@
           <a:p>
             <a:fld id="{92F948F0-8D54-48A7-9210-32EC7E10790F}" type="datetimeFigureOut">
               <a:rPr lang="fr-FR" smtClean="0"/>
-              <a:t>21/05/2024</a:t>
+              <a:t>22/05/2024</a:t>
             </a:fld>
             <a:endParaRPr lang="fr-FR"/>
           </a:p>
@@ -858,7 +863,7 @@
           <a:p>
             <a:fld id="{92F948F0-8D54-48A7-9210-32EC7E10790F}" type="datetimeFigureOut">
               <a:rPr lang="fr-FR" smtClean="0"/>
-              <a:t>21/05/2024</a:t>
+              <a:t>22/05/2024</a:t>
             </a:fld>
             <a:endParaRPr lang="fr-FR"/>
           </a:p>
@@ -1133,7 +1138,7 @@
           <a:p>
             <a:fld id="{92F948F0-8D54-48A7-9210-32EC7E10790F}" type="datetimeFigureOut">
               <a:rPr lang="fr-FR" smtClean="0"/>
-              <a:t>21/05/2024</a:t>
+              <a:t>22/05/2024</a:t>
             </a:fld>
             <a:endParaRPr lang="fr-FR"/>
           </a:p>
@@ -1398,7 +1403,7 @@
           <a:p>
             <a:fld id="{92F948F0-8D54-48A7-9210-32EC7E10790F}" type="datetimeFigureOut">
               <a:rPr lang="fr-FR" smtClean="0"/>
-              <a:t>21/05/2024</a:t>
+              <a:t>22/05/2024</a:t>
             </a:fld>
             <a:endParaRPr lang="fr-FR"/>
           </a:p>
@@ -1810,7 +1815,7 @@
           <a:p>
             <a:fld id="{92F948F0-8D54-48A7-9210-32EC7E10790F}" type="datetimeFigureOut">
               <a:rPr lang="fr-FR" smtClean="0"/>
-              <a:t>21/05/2024</a:t>
+              <a:t>22/05/2024</a:t>
             </a:fld>
             <a:endParaRPr lang="fr-FR"/>
           </a:p>
@@ -1951,7 +1956,7 @@
           <a:p>
             <a:fld id="{92F948F0-8D54-48A7-9210-32EC7E10790F}" type="datetimeFigureOut">
               <a:rPr lang="fr-FR" smtClean="0"/>
-              <a:t>21/05/2024</a:t>
+              <a:t>22/05/2024</a:t>
             </a:fld>
             <a:endParaRPr lang="fr-FR"/>
           </a:p>
@@ -2064,7 +2069,7 @@
           <a:p>
             <a:fld id="{92F948F0-8D54-48A7-9210-32EC7E10790F}" type="datetimeFigureOut">
               <a:rPr lang="fr-FR" smtClean="0"/>
-              <a:t>21/05/2024</a:t>
+              <a:t>22/05/2024</a:t>
             </a:fld>
             <a:endParaRPr lang="fr-FR"/>
           </a:p>
@@ -2375,7 +2380,7 @@
           <a:p>
             <a:fld id="{92F948F0-8D54-48A7-9210-32EC7E10790F}" type="datetimeFigureOut">
               <a:rPr lang="fr-FR" smtClean="0"/>
-              <a:t>21/05/2024</a:t>
+              <a:t>22/05/2024</a:t>
             </a:fld>
             <a:endParaRPr lang="fr-FR"/>
           </a:p>
@@ -2663,7 +2668,7 @@
           <a:p>
             <a:fld id="{92F948F0-8D54-48A7-9210-32EC7E10790F}" type="datetimeFigureOut">
               <a:rPr lang="fr-FR" smtClean="0"/>
-              <a:t>21/05/2024</a:t>
+              <a:t>22/05/2024</a:t>
             </a:fld>
             <a:endParaRPr lang="fr-FR"/>
           </a:p>
@@ -2904,7 +2909,7 @@
           <a:p>
             <a:fld id="{92F948F0-8D54-48A7-9210-32EC7E10790F}" type="datetimeFigureOut">
               <a:rPr lang="fr-FR" smtClean="0"/>
-              <a:t>21/05/2024</a:t>
+              <a:t>22/05/2024</a:t>
             </a:fld>
             <a:endParaRPr lang="fr-FR"/>
           </a:p>
@@ -3381,36 +3386,6 @@
           </a:prstGeom>
         </p:spPr>
       </p:pic>
-      <p:pic>
-        <p:nvPicPr>
-          <p:cNvPr id="6" name="Image 5">
-            <a:extLst>
-              <a:ext uri="{FF2B5EF4-FFF2-40B4-BE49-F238E27FC236}">
-                <a16:creationId xmlns:a16="http://schemas.microsoft.com/office/drawing/2014/main" id="{15362835-3049-4B00-9C3E-C0CBA3707BAD}"/>
-              </a:ext>
-            </a:extLst>
-          </p:cNvPr>
-          <p:cNvPicPr>
-            <a:picLocks noChangeAspect="1"/>
-          </p:cNvPicPr>
-          <p:nvPr/>
-        </p:nvPicPr>
-        <p:blipFill>
-          <a:blip r:embed="rId4"/>
-          <a:stretch>
-            <a:fillRect/>
-          </a:stretch>
-        </p:blipFill>
-        <p:spPr>
-          <a:xfrm>
-            <a:off x="0" y="1745670"/>
-            <a:ext cx="4809504" cy="896587"/>
-          </a:xfrm>
-          <a:prstGeom prst="rect">
-            <a:avLst/>
-          </a:prstGeom>
-        </p:spPr>
-      </p:pic>
       <p:sp>
         <p:nvSpPr>
           <p:cNvPr id="7" name="ZoneTexte 6">
@@ -3567,7 +3542,7 @@
           <p:nvPr/>
         </p:nvPicPr>
         <p:blipFill>
-          <a:blip r:embed="rId5"/>
+          <a:blip r:embed="rId4"/>
           <a:stretch>
             <a:fillRect/>
           </a:stretch>
@@ -3584,10 +3559,40 @@
       </p:pic>
       <p:pic>
         <p:nvPicPr>
-          <p:cNvPr id="12" name="Image 11">
-            <a:extLst>
-              <a:ext uri="{FF2B5EF4-FFF2-40B4-BE49-F238E27FC236}">
-                <a16:creationId xmlns:a16="http://schemas.microsoft.com/office/drawing/2014/main" id="{606025CC-FC10-432E-AED4-BB9D3651860C}"/>
+          <p:cNvPr id="2" name="Image 1">
+            <a:extLst>
+              <a:ext uri="{FF2B5EF4-FFF2-40B4-BE49-F238E27FC236}">
+                <a16:creationId xmlns:a16="http://schemas.microsoft.com/office/drawing/2014/main" id="{A49EA8BD-28A5-46F7-AB28-8A2045FD1919}"/>
+              </a:ext>
+            </a:extLst>
+          </p:cNvPr>
+          <p:cNvPicPr>
+            <a:picLocks noChangeAspect="1"/>
+          </p:cNvPicPr>
+          <p:nvPr/>
+        </p:nvPicPr>
+        <p:blipFill>
+          <a:blip r:embed="rId5"/>
+          <a:stretch>
+            <a:fillRect/>
+          </a:stretch>
+        </p:blipFill>
+        <p:spPr>
+          <a:xfrm>
+            <a:off x="5467228" y="1745670"/>
+            <a:ext cx="3362076" cy="4454276"/>
+          </a:xfrm>
+          <a:prstGeom prst="rect">
+            <a:avLst/>
+          </a:prstGeom>
+        </p:spPr>
+      </p:pic>
+      <p:pic>
+        <p:nvPicPr>
+          <p:cNvPr id="3" name="Image 2">
+            <a:extLst>
+              <a:ext uri="{FF2B5EF4-FFF2-40B4-BE49-F238E27FC236}">
+                <a16:creationId xmlns:a16="http://schemas.microsoft.com/office/drawing/2014/main" id="{35B41852-E4F6-41CF-8F60-B4BF80C94A11}"/>
               </a:ext>
             </a:extLst>
           </p:cNvPr>
@@ -3604,8 +3609,8 @@
         </p:blipFill>
         <p:spPr>
           <a:xfrm>
-            <a:off x="5207555" y="1468460"/>
-            <a:ext cx="4007697" cy="4982837"/>
+            <a:off x="0" y="1693530"/>
+            <a:ext cx="4809504" cy="1031855"/>
           </a:xfrm>
           <a:prstGeom prst="rect">
             <a:avLst/>
